--- a/TASK_3/TASK_3.pptx
+++ b/TASK_3/TASK_3.pptx
@@ -33,7 +33,13 @@
     <p:sldId id="299" r:id="rId27"/>
     <p:sldId id="300" r:id="rId28"/>
     <p:sldId id="303" r:id="rId29"/>
-    <p:sldId id="304" r:id="rId30"/>
+    <p:sldId id="305" r:id="rId30"/>
+    <p:sldId id="306" r:id="rId31"/>
+    <p:sldId id="307" r:id="rId32"/>
+    <p:sldId id="308" r:id="rId33"/>
+    <p:sldId id="309" r:id="rId34"/>
+    <p:sldId id="310" r:id="rId35"/>
+    <p:sldId id="304" r:id="rId36"/>
   </p:sldIdLst>
   <p:sldSz cx="12192000" cy="6858000"/>
   <p:notesSz cx="6858000" cy="9144000"/>
@@ -132,6 +138,11 @@
       </a:defRPr>
     </a:lvl9pPr>
   </p:defaultTextStyle>
+  <p:extLst>
+    <p:ext uri="{EFAFB233-063F-42B5-8137-9DF3F51BA10A}">
+      <p15:sldGuideLst xmlns:p15="http://schemas.microsoft.com/office/powerpoint/2012/main"/>
+    </p:ext>
+  </p:extLst>
 </p:presentation>
 </file>
 
@@ -321,7 +332,7 @@
           <a:p>
             <a:fld id="{16969D2A-7934-479C-A594-91812B6DA203}" type="datetimeFigureOut">
               <a:rPr lang="ru-RU" smtClean="0"/>
-              <a:t>12.12.2021</a:t>
+              <a:t>13.12.2021</a:t>
             </a:fld>
             <a:endParaRPr lang="ru-RU"/>
           </a:p>
@@ -596,7 +607,7 @@
           <a:p>
             <a:fld id="{16969D2A-7934-479C-A594-91812B6DA203}" type="datetimeFigureOut">
               <a:rPr lang="ru-RU" smtClean="0"/>
-              <a:t>12.12.2021</a:t>
+              <a:t>13.12.2021</a:t>
             </a:fld>
             <a:endParaRPr lang="ru-RU"/>
           </a:p>
@@ -790,7 +801,7 @@
           <a:p>
             <a:fld id="{16969D2A-7934-479C-A594-91812B6DA203}" type="datetimeFigureOut">
               <a:rPr lang="ru-RU" smtClean="0"/>
-              <a:t>12.12.2021</a:t>
+              <a:t>13.12.2021</a:t>
             </a:fld>
             <a:endParaRPr lang="ru-RU"/>
           </a:p>
@@ -1063,7 +1074,7 @@
           <a:p>
             <a:fld id="{16969D2A-7934-479C-A594-91812B6DA203}" type="datetimeFigureOut">
               <a:rPr lang="ru-RU" smtClean="0"/>
-              <a:t>12.12.2021</a:t>
+              <a:t>13.12.2021</a:t>
             </a:fld>
             <a:endParaRPr lang="ru-RU"/>
           </a:p>
@@ -1404,7 +1415,7 @@
           <a:p>
             <a:fld id="{16969D2A-7934-479C-A594-91812B6DA203}" type="datetimeFigureOut">
               <a:rPr lang="ru-RU" smtClean="0"/>
-              <a:t>12.12.2021</a:t>
+              <a:t>13.12.2021</a:t>
             </a:fld>
             <a:endParaRPr lang="ru-RU"/>
           </a:p>
@@ -2027,7 +2038,7 @@
           <a:p>
             <a:fld id="{16969D2A-7934-479C-A594-91812B6DA203}" type="datetimeFigureOut">
               <a:rPr lang="ru-RU" smtClean="0"/>
-              <a:t>12.12.2021</a:t>
+              <a:t>13.12.2021</a:t>
             </a:fld>
             <a:endParaRPr lang="ru-RU"/>
           </a:p>
@@ -2887,7 +2898,7 @@
           <a:p>
             <a:fld id="{16969D2A-7934-479C-A594-91812B6DA203}" type="datetimeFigureOut">
               <a:rPr lang="ru-RU" smtClean="0"/>
-              <a:t>12.12.2021</a:t>
+              <a:t>13.12.2021</a:t>
             </a:fld>
             <a:endParaRPr lang="ru-RU"/>
           </a:p>
@@ -3057,7 +3068,7 @@
           <a:p>
             <a:fld id="{16969D2A-7934-479C-A594-91812B6DA203}" type="datetimeFigureOut">
               <a:rPr lang="ru-RU" smtClean="0"/>
-              <a:t>12.12.2021</a:t>
+              <a:t>13.12.2021</a:t>
             </a:fld>
             <a:endParaRPr lang="ru-RU"/>
           </a:p>
@@ -3237,7 +3248,7 @@
           <a:p>
             <a:fld id="{16969D2A-7934-479C-A594-91812B6DA203}" type="datetimeFigureOut">
               <a:rPr lang="ru-RU" smtClean="0"/>
-              <a:t>12.12.2021</a:t>
+              <a:t>13.12.2021</a:t>
             </a:fld>
             <a:endParaRPr lang="ru-RU"/>
           </a:p>
@@ -3407,7 +3418,7 @@
           <a:p>
             <a:fld id="{16969D2A-7934-479C-A594-91812B6DA203}" type="datetimeFigureOut">
               <a:rPr lang="ru-RU" smtClean="0"/>
-              <a:t>12.12.2021</a:t>
+              <a:t>13.12.2021</a:t>
             </a:fld>
             <a:endParaRPr lang="ru-RU"/>
           </a:p>
@@ -3654,7 +3665,7 @@
           <a:p>
             <a:fld id="{16969D2A-7934-479C-A594-91812B6DA203}" type="datetimeFigureOut">
               <a:rPr lang="ru-RU" smtClean="0"/>
-              <a:t>12.12.2021</a:t>
+              <a:t>13.12.2021</a:t>
             </a:fld>
             <a:endParaRPr lang="ru-RU"/>
           </a:p>
@@ -3946,7 +3957,7 @@
           <a:p>
             <a:fld id="{16969D2A-7934-479C-A594-91812B6DA203}" type="datetimeFigureOut">
               <a:rPr lang="ru-RU" smtClean="0"/>
-              <a:t>12.12.2021</a:t>
+              <a:t>13.12.2021</a:t>
             </a:fld>
             <a:endParaRPr lang="ru-RU"/>
           </a:p>
@@ -4390,7 +4401,7 @@
           <a:p>
             <a:fld id="{16969D2A-7934-479C-A594-91812B6DA203}" type="datetimeFigureOut">
               <a:rPr lang="ru-RU" smtClean="0"/>
-              <a:t>12.12.2021</a:t>
+              <a:t>13.12.2021</a:t>
             </a:fld>
             <a:endParaRPr lang="ru-RU"/>
           </a:p>
@@ -4508,7 +4519,7 @@
           <a:p>
             <a:fld id="{16969D2A-7934-479C-A594-91812B6DA203}" type="datetimeFigureOut">
               <a:rPr lang="ru-RU" smtClean="0"/>
-              <a:t>12.12.2021</a:t>
+              <a:t>13.12.2021</a:t>
             </a:fld>
             <a:endParaRPr lang="ru-RU"/>
           </a:p>
@@ -4603,7 +4614,7 @@
           <a:p>
             <a:fld id="{16969D2A-7934-479C-A594-91812B6DA203}" type="datetimeFigureOut">
               <a:rPr lang="ru-RU" smtClean="0"/>
-              <a:t>12.12.2021</a:t>
+              <a:t>13.12.2021</a:t>
             </a:fld>
             <a:endParaRPr lang="ru-RU"/>
           </a:p>
@@ -4882,7 +4893,7 @@
           <a:p>
             <a:fld id="{16969D2A-7934-479C-A594-91812B6DA203}" type="datetimeFigureOut">
               <a:rPr lang="ru-RU" smtClean="0"/>
-              <a:t>12.12.2021</a:t>
+              <a:t>13.12.2021</a:t>
             </a:fld>
             <a:endParaRPr lang="ru-RU"/>
           </a:p>
@@ -5157,7 +5168,7 @@
           <a:p>
             <a:fld id="{16969D2A-7934-479C-A594-91812B6DA203}" type="datetimeFigureOut">
               <a:rPr lang="ru-RU" smtClean="0"/>
-              <a:t>12.12.2021</a:t>
+              <a:t>13.12.2021</a:t>
             </a:fld>
             <a:endParaRPr lang="ru-RU"/>
           </a:p>
@@ -5586,7 +5597,7 @@
           <a:p>
             <a:fld id="{16969D2A-7934-479C-A594-91812B6DA203}" type="datetimeFigureOut">
               <a:rPr lang="ru-RU" smtClean="0"/>
-              <a:t>12.12.2021</a:t>
+              <a:t>13.12.2021</a:t>
             </a:fld>
             <a:endParaRPr lang="ru-RU"/>
           </a:p>
@@ -7017,8 +7028,8 @@
           </a:prstGeom>
         </p:spPr>
       </p:pic>
-      <mc:AlternateContent xmlns:mc="http://schemas.openxmlformats.org/markup-compatibility/2006">
-        <mc:Choice xmlns:a14="http://schemas.microsoft.com/office/drawing/2010/main" Requires="a14">
+      <mc:AlternateContent xmlns:mc="http://schemas.openxmlformats.org/markup-compatibility/2006" xmlns:a14="http://schemas.microsoft.com/office/drawing/2010/main">
+        <mc:Choice Requires="a14">
           <p:sp>
             <p:nvSpPr>
               <p:cNvPr id="6" name="TextBox 5">
@@ -7190,7 +7201,7 @@
             </p:txBody>
           </p:sp>
         </mc:Choice>
-        <mc:Fallback>
+        <mc:Fallback xmlns="">
           <p:sp>
             <p:nvSpPr>
               <p:cNvPr id="6" name="TextBox 5">
@@ -7491,13 +7502,13 @@
           <a:p>
             <a:r>
               <a:rPr lang="ru-RU" sz="4200" dirty="0"/>
-              <a:t>Задача</a:t>
-            </a:r>
-          </a:p>
-        </p:txBody>
-      </p:sp>
-      <mc:AlternateContent xmlns:mc="http://schemas.openxmlformats.org/markup-compatibility/2006">
-        <mc:Choice xmlns:a14="http://schemas.microsoft.com/office/drawing/2010/main" Requires="a14">
+              <a:t>Жесткая система</a:t>
+            </a:r>
+          </a:p>
+        </p:txBody>
+      </p:sp>
+      <mc:AlternateContent xmlns:mc="http://schemas.openxmlformats.org/markup-compatibility/2006" xmlns:a14="http://schemas.microsoft.com/office/drawing/2010/main">
+        <mc:Choice Requires="a14">
           <p:sp>
             <p:nvSpPr>
               <p:cNvPr id="4" name="TextBox 3">
@@ -7526,6 +7537,7 @@
               </a:bodyPr>
               <a:lstStyle/>
               <a:p>
+                <a:pPr/>
                 <a14:m>
                   <m:oMathPara xmlns:m="http://schemas.openxmlformats.org/officeDocument/2006/math">
                     <m:oMathParaPr>
@@ -7813,7 +7825,7 @@
             </p:txBody>
           </p:sp>
         </mc:Choice>
-        <mc:Fallback>
+        <mc:Fallback xmlns="">
           <p:sp>
             <p:nvSpPr>
               <p:cNvPr id="4" name="TextBox 3">
@@ -7858,8 +7870,8 @@
           </p:sp>
         </mc:Fallback>
       </mc:AlternateContent>
-      <mc:AlternateContent xmlns:mc="http://schemas.openxmlformats.org/markup-compatibility/2006">
-        <mc:Choice xmlns:a14="http://schemas.microsoft.com/office/drawing/2010/main" Requires="a14">
+      <mc:AlternateContent xmlns:mc="http://schemas.openxmlformats.org/markup-compatibility/2006" xmlns:a14="http://schemas.microsoft.com/office/drawing/2010/main">
+        <mc:Choice Requires="a14">
           <p:sp>
             <p:nvSpPr>
               <p:cNvPr id="6" name="TextBox 5">
@@ -7888,6 +7900,7 @@
               </a:bodyPr>
               <a:lstStyle/>
               <a:p>
+                <a:pPr/>
                 <a14:m>
                   <m:oMathPara xmlns:m="http://schemas.openxmlformats.org/officeDocument/2006/math">
                     <m:oMathParaPr>
@@ -8020,7 +8033,7 @@
             </p:txBody>
           </p:sp>
         </mc:Choice>
-        <mc:Fallback>
+        <mc:Fallback xmlns="">
           <p:sp>
             <p:nvSpPr>
               <p:cNvPr id="6" name="TextBox 5">
@@ -9070,7 +9083,7 @@
                 </a:solidFill>
                 <a:latin typeface="+mj-lt"/>
               </a:rPr>
-              <a:t>Глобальный вывод</a:t>
+              <a:t>Вывод</a:t>
             </a:r>
             <a:r>
               <a:rPr lang="en-US" sz="2000" dirty="0">
@@ -9091,7 +9104,7 @@
                 </a:solidFill>
                 <a:latin typeface="+mj-lt"/>
               </a:rPr>
-              <a:t>При огрубление контроля погрешности растет в первую очередь расхождение истинной и численной траектории.</a:t>
+              <a:t>При огрубление контроля погрешности растет в первую очередь расхождение истинной и численной траектории на погранслое</a:t>
             </a:r>
           </a:p>
         </p:txBody>
@@ -9110,42 +9123,8 @@
 </file>
 
 <file path=ppt/slides/slide29.xml><?xml version="1.0" encoding="utf-8"?>
-<p:sld xmlns:a="http://schemas.openxmlformats.org/drawingml/2006/main" xmlns:r="http://schemas.openxmlformats.org/officeDocument/2006/relationships" xmlns:p="http://schemas.openxmlformats.org/presentationml/2006/main" showMasterSp="0">
+<p:sld xmlns:a="http://schemas.openxmlformats.org/drawingml/2006/main" xmlns:r="http://schemas.openxmlformats.org/officeDocument/2006/relationships" xmlns:p="http://schemas.openxmlformats.org/presentationml/2006/main">
   <p:cSld>
-    <p:bg>
-      <p:bgPr>
-        <a:gradFill>
-          <a:gsLst>
-            <a:gs pos="0">
-              <a:schemeClr val="accent1">
-                <a:lumMod val="5000"/>
-                <a:lumOff val="95000"/>
-              </a:schemeClr>
-            </a:gs>
-            <a:gs pos="76000">
-              <a:schemeClr val="accent1">
-                <a:lumMod val="45000"/>
-                <a:lumOff val="55000"/>
-              </a:schemeClr>
-            </a:gs>
-            <a:gs pos="83000">
-              <a:schemeClr val="accent1">
-                <a:lumMod val="45000"/>
-                <a:lumOff val="55000"/>
-              </a:schemeClr>
-            </a:gs>
-            <a:gs pos="100000">
-              <a:schemeClr val="accent1">
-                <a:lumMod val="30000"/>
-                <a:lumOff val="70000"/>
-              </a:schemeClr>
-            </a:gs>
-          </a:gsLst>
-          <a:lin ang="5400000" scaled="1"/>
-        </a:gradFill>
-        <a:effectLst/>
-      </p:bgPr>
-    </p:bg>
     <p:spTree>
       <p:nvGrpSpPr>
         <p:cNvPr id="1" name=""/>
@@ -9160,12 +9139,118 @@
           <a:chExt cx="0" cy="0"/>
         </a:xfrm>
       </p:grpSpPr>
+      <p:sp>
+        <p:nvSpPr>
+          <p:cNvPr id="2" name="Заголовок 1">
+            <a:extLst>
+              <a:ext uri="{FF2B5EF4-FFF2-40B4-BE49-F238E27FC236}">
+                <a16:creationId xmlns:a16="http://schemas.microsoft.com/office/drawing/2014/main" id="{ACC4A95A-8C5E-429B-BF3A-A4A2F3B775E3}"/>
+              </a:ext>
+            </a:extLst>
+          </p:cNvPr>
+          <p:cNvSpPr>
+            <a:spLocks noGrp="1"/>
+          </p:cNvSpPr>
+          <p:nvPr>
+            <p:ph type="ctrTitle"/>
+          </p:nvPr>
+        </p:nvSpPr>
+        <p:spPr>
+          <a:xfrm>
+            <a:off x="344130" y="501285"/>
+            <a:ext cx="9999405" cy="570074"/>
+          </a:xfrm>
+        </p:spPr>
+        <p:txBody>
+          <a:bodyPr/>
+          <a:lstStyle/>
+          <a:p>
+            <a:r>
+              <a:rPr lang="ru-RU" sz="4200" dirty="0"/>
+              <a:t>Дополнительное исследование</a:t>
+            </a:r>
+          </a:p>
+        </p:txBody>
+      </p:sp>
+      <p:sp>
+        <p:nvSpPr>
+          <p:cNvPr id="6" name="TextBox 5">
+            <a:extLst>
+              <a:ext uri="{FF2B5EF4-FFF2-40B4-BE49-F238E27FC236}">
+                <a16:creationId xmlns:a16="http://schemas.microsoft.com/office/drawing/2014/main" id="{0E2AD9E2-F288-402C-A796-8631D21126F7}"/>
+              </a:ext>
+            </a:extLst>
+          </p:cNvPr>
+          <p:cNvSpPr txBox="1"/>
+          <p:nvPr/>
+        </p:nvSpPr>
+        <p:spPr>
+          <a:xfrm>
+            <a:off x="6887498" y="1612133"/>
+            <a:ext cx="3456037" cy="1323439"/>
+          </a:xfrm>
+          <a:prstGeom prst="rect">
+            <a:avLst/>
+          </a:prstGeom>
+          <a:noFill/>
+        </p:spPr>
+        <p:txBody>
+          <a:bodyPr wrap="square">
+            <a:spAutoFit/>
+          </a:bodyPr>
+          <a:lstStyle/>
+          <a:p>
+            <a:r>
+              <a:rPr lang="ru-RU" sz="2000" dirty="0">
+                <a:solidFill>
+                  <a:schemeClr val="accent3"/>
+                </a:solidFill>
+                <a:latin typeface="+mj-lt"/>
+              </a:rPr>
+              <a:t>Ответим на вопрос</a:t>
+            </a:r>
+            <a:r>
+              <a:rPr lang="en-US" sz="2000" dirty="0">
+                <a:solidFill>
+                  <a:schemeClr val="accent3"/>
+                </a:solidFill>
+                <a:latin typeface="+mj-lt"/>
+              </a:rPr>
+              <a:t>:</a:t>
+            </a:r>
+            <a:r>
+              <a:rPr lang="ru-RU" sz="2000" dirty="0">
+                <a:solidFill>
+                  <a:schemeClr val="accent3"/>
+                </a:solidFill>
+                <a:latin typeface="+mj-lt"/>
+              </a:rPr>
+              <a:t> Когда система достигнет какого то стационарного состояния</a:t>
+            </a:r>
+            <a:r>
+              <a:rPr lang="en-US" sz="2000" dirty="0">
+                <a:solidFill>
+                  <a:schemeClr val="accent3"/>
+                </a:solidFill>
+                <a:latin typeface="+mj-lt"/>
+              </a:rPr>
+              <a:t>?</a:t>
+            </a:r>
+            <a:endParaRPr lang="ru-RU" sz="2000" dirty="0">
+              <a:solidFill>
+                <a:schemeClr val="accent3"/>
+              </a:solidFill>
+              <a:latin typeface="+mj-lt"/>
+            </a:endParaRPr>
+          </a:p>
+        </p:txBody>
+      </p:sp>
       <p:pic>
         <p:nvPicPr>
-          <p:cNvPr id="5" name="Рисунок 4">
+          <p:cNvPr id="7" name="Рисунок 6">
             <a:extLst>
               <a:ext uri="{FF2B5EF4-FFF2-40B4-BE49-F238E27FC236}">
-                <a16:creationId xmlns:a16="http://schemas.microsoft.com/office/drawing/2014/main" id="{CC0AC8EC-A0E9-46C7-89FC-8BCE54C09F61}"/>
+                <a16:creationId xmlns:a16="http://schemas.microsoft.com/office/drawing/2014/main" id="{956F968F-5115-42C2-9D35-CBE1EFB62950}"/>
               </a:ext>
             </a:extLst>
           </p:cNvPr>
@@ -9175,21 +9260,15 @@
           <p:nvPr/>
         </p:nvPicPr>
         <p:blipFill>
-          <a:blip r:embed="rId2">
-            <a:extLst>
-              <a:ext uri="{28A0092B-C50C-407E-A947-70E740481C1C}">
-                <a14:useLocalDpi xmlns:a14="http://schemas.microsoft.com/office/drawing/2010/main" val="0"/>
-              </a:ext>
-            </a:extLst>
-          </a:blip>
+          <a:blip r:embed="rId2"/>
           <a:stretch>
             <a:fillRect/>
           </a:stretch>
         </p:blipFill>
         <p:spPr>
           <a:xfrm>
-            <a:off x="4517998" y="1850998"/>
-            <a:ext cx="3156003" cy="3156003"/>
+            <a:off x="194215" y="1071358"/>
+            <a:ext cx="6029604" cy="5633865"/>
           </a:xfrm>
           <a:prstGeom prst="rect">
             <a:avLst/>
@@ -9199,7 +9278,7 @@
     </p:spTree>
     <p:extLst>
       <p:ext uri="{BB962C8B-B14F-4D97-AF65-F5344CB8AC3E}">
-        <p14:creationId xmlns:p14="http://schemas.microsoft.com/office/powerpoint/2010/main" val="3014159920"/>
+        <p14:creationId xmlns:p14="http://schemas.microsoft.com/office/powerpoint/2010/main" val="2304788264"/>
       </p:ext>
     </p:extLst>
   </p:cSld>
@@ -9309,8 +9388,8 @@
           </a:p>
         </p:txBody>
       </p:sp>
-      <mc:AlternateContent xmlns:mc="http://schemas.openxmlformats.org/markup-compatibility/2006">
-        <mc:Choice xmlns:a14="http://schemas.microsoft.com/office/drawing/2010/main" Requires="a14">
+      <mc:AlternateContent xmlns:mc="http://schemas.openxmlformats.org/markup-compatibility/2006" xmlns:a14="http://schemas.microsoft.com/office/drawing/2010/main">
+        <mc:Choice Requires="a14">
           <p:sp>
             <p:nvSpPr>
               <p:cNvPr id="5" name="TextBox 4">
@@ -9698,7 +9777,7 @@
             </p:txBody>
           </p:sp>
         </mc:Choice>
-        <mc:Fallback>
+        <mc:Fallback xmlns="">
           <p:sp>
             <p:nvSpPr>
               <p:cNvPr id="5" name="TextBox 4">
@@ -9834,6 +9913,727 @@
 </p:sld>
 </file>
 
+<file path=ppt/slides/slide30.xml><?xml version="1.0" encoding="utf-8"?>
+<p:sld xmlns:a="http://schemas.openxmlformats.org/drawingml/2006/main" xmlns:r="http://schemas.openxmlformats.org/officeDocument/2006/relationships" xmlns:p="http://schemas.openxmlformats.org/presentationml/2006/main">
+  <p:cSld>
+    <p:spTree>
+      <p:nvGrpSpPr>
+        <p:cNvPr id="1" name=""/>
+        <p:cNvGrpSpPr/>
+        <p:nvPr/>
+      </p:nvGrpSpPr>
+      <p:grpSpPr>
+        <a:xfrm>
+          <a:off x="0" y="0"/>
+          <a:ext cx="0" cy="0"/>
+          <a:chOff x="0" y="0"/>
+          <a:chExt cx="0" cy="0"/>
+        </a:xfrm>
+      </p:grpSpPr>
+      <p:sp>
+        <p:nvSpPr>
+          <p:cNvPr id="2" name="Заголовок 1">
+            <a:extLst>
+              <a:ext uri="{FF2B5EF4-FFF2-40B4-BE49-F238E27FC236}">
+                <a16:creationId xmlns:a16="http://schemas.microsoft.com/office/drawing/2014/main" id="{ACC4A95A-8C5E-429B-BF3A-A4A2F3B775E3}"/>
+              </a:ext>
+            </a:extLst>
+          </p:cNvPr>
+          <p:cNvSpPr>
+            <a:spLocks noGrp="1"/>
+          </p:cNvSpPr>
+          <p:nvPr>
+            <p:ph type="ctrTitle"/>
+          </p:nvPr>
+        </p:nvSpPr>
+        <p:spPr>
+          <a:xfrm>
+            <a:off x="344130" y="501285"/>
+            <a:ext cx="9999405" cy="570074"/>
+          </a:xfrm>
+        </p:spPr>
+        <p:txBody>
+          <a:bodyPr/>
+          <a:lstStyle/>
+          <a:p>
+            <a:r>
+              <a:rPr lang="ru-RU" sz="4200" dirty="0"/>
+              <a:t>Дополнительное исследование</a:t>
+            </a:r>
+          </a:p>
+        </p:txBody>
+      </p:sp>
+      <p:pic>
+        <p:nvPicPr>
+          <p:cNvPr id="4" name="Рисунок 3">
+            <a:extLst>
+              <a:ext uri="{FF2B5EF4-FFF2-40B4-BE49-F238E27FC236}">
+                <a16:creationId xmlns:a16="http://schemas.microsoft.com/office/drawing/2014/main" id="{F7CACBBB-143C-45D4-AB22-8FDCD2BE6BB1}"/>
+              </a:ext>
+            </a:extLst>
+          </p:cNvPr>
+          <p:cNvPicPr>
+            <a:picLocks noChangeAspect="1"/>
+          </p:cNvPicPr>
+          <p:nvPr/>
+        </p:nvPicPr>
+        <p:blipFill>
+          <a:blip r:embed="rId2">
+            <a:extLst>
+              <a:ext uri="{28A0092B-C50C-407E-A947-70E740481C1C}">
+                <a14:useLocalDpi xmlns:a14="http://schemas.microsoft.com/office/drawing/2010/main" val="0"/>
+              </a:ext>
+            </a:extLst>
+          </a:blip>
+          <a:stretch>
+            <a:fillRect/>
+          </a:stretch>
+        </p:blipFill>
+        <p:spPr>
+          <a:xfrm>
+            <a:off x="2556387" y="1071359"/>
+            <a:ext cx="7079225" cy="5441682"/>
+          </a:xfrm>
+          <a:prstGeom prst="rect">
+            <a:avLst/>
+          </a:prstGeom>
+        </p:spPr>
+      </p:pic>
+    </p:spTree>
+    <p:extLst>
+      <p:ext uri="{BB962C8B-B14F-4D97-AF65-F5344CB8AC3E}">
+        <p14:creationId xmlns:p14="http://schemas.microsoft.com/office/powerpoint/2010/main" val="1282749473"/>
+      </p:ext>
+    </p:extLst>
+  </p:cSld>
+  <p:clrMapOvr>
+    <a:masterClrMapping/>
+  </p:clrMapOvr>
+</p:sld>
+</file>
+
+<file path=ppt/slides/slide31.xml><?xml version="1.0" encoding="utf-8"?>
+<p:sld xmlns:a="http://schemas.openxmlformats.org/drawingml/2006/main" xmlns:r="http://schemas.openxmlformats.org/officeDocument/2006/relationships" xmlns:p="http://schemas.openxmlformats.org/presentationml/2006/main">
+  <p:cSld>
+    <p:spTree>
+      <p:nvGrpSpPr>
+        <p:cNvPr id="1" name=""/>
+        <p:cNvGrpSpPr/>
+        <p:nvPr/>
+      </p:nvGrpSpPr>
+      <p:grpSpPr>
+        <a:xfrm>
+          <a:off x="0" y="0"/>
+          <a:ext cx="0" cy="0"/>
+          <a:chOff x="0" y="0"/>
+          <a:chExt cx="0" cy="0"/>
+        </a:xfrm>
+      </p:grpSpPr>
+      <p:sp>
+        <p:nvSpPr>
+          <p:cNvPr id="2" name="Заголовок 1">
+            <a:extLst>
+              <a:ext uri="{FF2B5EF4-FFF2-40B4-BE49-F238E27FC236}">
+                <a16:creationId xmlns:a16="http://schemas.microsoft.com/office/drawing/2014/main" id="{ACC4A95A-8C5E-429B-BF3A-A4A2F3B775E3}"/>
+              </a:ext>
+            </a:extLst>
+          </p:cNvPr>
+          <p:cNvSpPr>
+            <a:spLocks noGrp="1"/>
+          </p:cNvSpPr>
+          <p:nvPr>
+            <p:ph type="ctrTitle"/>
+          </p:nvPr>
+        </p:nvSpPr>
+        <p:spPr>
+          <a:xfrm>
+            <a:off x="344130" y="501285"/>
+            <a:ext cx="9999405" cy="570074"/>
+          </a:xfrm>
+        </p:spPr>
+        <p:txBody>
+          <a:bodyPr/>
+          <a:lstStyle/>
+          <a:p>
+            <a:r>
+              <a:rPr lang="ru-RU" sz="4200" dirty="0"/>
+              <a:t>Дополнительное исследование</a:t>
+            </a:r>
+          </a:p>
+        </p:txBody>
+      </p:sp>
+      <p:pic>
+        <p:nvPicPr>
+          <p:cNvPr id="5" name="Рисунок 4">
+            <a:extLst>
+              <a:ext uri="{FF2B5EF4-FFF2-40B4-BE49-F238E27FC236}">
+                <a16:creationId xmlns:a16="http://schemas.microsoft.com/office/drawing/2014/main" id="{BBC9BF33-CFD2-4A35-9FC5-C312350CDED1}"/>
+              </a:ext>
+            </a:extLst>
+          </p:cNvPr>
+          <p:cNvPicPr>
+            <a:picLocks noChangeAspect="1"/>
+          </p:cNvPicPr>
+          <p:nvPr/>
+        </p:nvPicPr>
+        <p:blipFill>
+          <a:blip r:embed="rId2">
+            <a:extLst>
+              <a:ext uri="{28A0092B-C50C-407E-A947-70E740481C1C}">
+                <a14:useLocalDpi xmlns:a14="http://schemas.microsoft.com/office/drawing/2010/main" val="0"/>
+              </a:ext>
+            </a:extLst>
+          </a:blip>
+          <a:stretch>
+            <a:fillRect/>
+          </a:stretch>
+        </p:blipFill>
+        <p:spPr>
+          <a:xfrm>
+            <a:off x="2428568" y="1071359"/>
+            <a:ext cx="7334864" cy="5638187"/>
+          </a:xfrm>
+          <a:prstGeom prst="rect">
+            <a:avLst/>
+          </a:prstGeom>
+        </p:spPr>
+      </p:pic>
+    </p:spTree>
+    <p:extLst>
+      <p:ext uri="{BB962C8B-B14F-4D97-AF65-F5344CB8AC3E}">
+        <p14:creationId xmlns:p14="http://schemas.microsoft.com/office/powerpoint/2010/main" val="1304494123"/>
+      </p:ext>
+    </p:extLst>
+  </p:cSld>
+  <p:clrMapOvr>
+    <a:masterClrMapping/>
+  </p:clrMapOvr>
+</p:sld>
+</file>
+
+<file path=ppt/slides/slide32.xml><?xml version="1.0" encoding="utf-8"?>
+<p:sld xmlns:a="http://schemas.openxmlformats.org/drawingml/2006/main" xmlns:r="http://schemas.openxmlformats.org/officeDocument/2006/relationships" xmlns:p="http://schemas.openxmlformats.org/presentationml/2006/main">
+  <p:cSld>
+    <p:spTree>
+      <p:nvGrpSpPr>
+        <p:cNvPr id="1" name=""/>
+        <p:cNvGrpSpPr/>
+        <p:nvPr/>
+      </p:nvGrpSpPr>
+      <p:grpSpPr>
+        <a:xfrm>
+          <a:off x="0" y="0"/>
+          <a:ext cx="0" cy="0"/>
+          <a:chOff x="0" y="0"/>
+          <a:chExt cx="0" cy="0"/>
+        </a:xfrm>
+      </p:grpSpPr>
+      <p:sp>
+        <p:nvSpPr>
+          <p:cNvPr id="2" name="Заголовок 1">
+            <a:extLst>
+              <a:ext uri="{FF2B5EF4-FFF2-40B4-BE49-F238E27FC236}">
+                <a16:creationId xmlns:a16="http://schemas.microsoft.com/office/drawing/2014/main" id="{ACC4A95A-8C5E-429B-BF3A-A4A2F3B775E3}"/>
+              </a:ext>
+            </a:extLst>
+          </p:cNvPr>
+          <p:cNvSpPr>
+            <a:spLocks noGrp="1"/>
+          </p:cNvSpPr>
+          <p:nvPr>
+            <p:ph type="ctrTitle"/>
+          </p:nvPr>
+        </p:nvSpPr>
+        <p:spPr>
+          <a:xfrm>
+            <a:off x="344130" y="501285"/>
+            <a:ext cx="9999405" cy="570074"/>
+          </a:xfrm>
+        </p:spPr>
+        <p:txBody>
+          <a:bodyPr/>
+          <a:lstStyle/>
+          <a:p>
+            <a:r>
+              <a:rPr lang="ru-RU" sz="4200" dirty="0"/>
+              <a:t>Дополнительное исследование</a:t>
+            </a:r>
+          </a:p>
+        </p:txBody>
+      </p:sp>
+      <p:pic>
+        <p:nvPicPr>
+          <p:cNvPr id="4" name="Рисунок 3">
+            <a:extLst>
+              <a:ext uri="{FF2B5EF4-FFF2-40B4-BE49-F238E27FC236}">
+                <a16:creationId xmlns:a16="http://schemas.microsoft.com/office/drawing/2014/main" id="{3B24EE67-2077-4209-93FC-2DC0CDFB2964}"/>
+              </a:ext>
+            </a:extLst>
+          </p:cNvPr>
+          <p:cNvPicPr>
+            <a:picLocks noChangeAspect="1"/>
+          </p:cNvPicPr>
+          <p:nvPr/>
+        </p:nvPicPr>
+        <p:blipFill>
+          <a:blip r:embed="rId2"/>
+          <a:stretch>
+            <a:fillRect/>
+          </a:stretch>
+        </p:blipFill>
+        <p:spPr>
+          <a:xfrm>
+            <a:off x="744445" y="2725834"/>
+            <a:ext cx="10703109" cy="3018503"/>
+          </a:xfrm>
+          <a:prstGeom prst="rect">
+            <a:avLst/>
+          </a:prstGeom>
+        </p:spPr>
+      </p:pic>
+      <p:pic>
+        <p:nvPicPr>
+          <p:cNvPr id="9" name="Рисунок 8">
+            <a:extLst>
+              <a:ext uri="{FF2B5EF4-FFF2-40B4-BE49-F238E27FC236}">
+                <a16:creationId xmlns:a16="http://schemas.microsoft.com/office/drawing/2014/main" id="{EEFCC9FC-A4F6-40FE-BD95-1522A2BF7D38}"/>
+              </a:ext>
+            </a:extLst>
+          </p:cNvPr>
+          <p:cNvPicPr>
+            <a:picLocks noChangeAspect="1"/>
+          </p:cNvPicPr>
+          <p:nvPr/>
+        </p:nvPicPr>
+        <p:blipFill>
+          <a:blip r:embed="rId3"/>
+          <a:stretch>
+            <a:fillRect/>
+          </a:stretch>
+        </p:blipFill>
+        <p:spPr>
+          <a:xfrm>
+            <a:off x="744445" y="1071359"/>
+            <a:ext cx="10703108" cy="1551556"/>
+          </a:xfrm>
+          <a:prstGeom prst="rect">
+            <a:avLst/>
+          </a:prstGeom>
+        </p:spPr>
+      </p:pic>
+    </p:spTree>
+    <p:extLst>
+      <p:ext uri="{BB962C8B-B14F-4D97-AF65-F5344CB8AC3E}">
+        <p14:creationId xmlns:p14="http://schemas.microsoft.com/office/powerpoint/2010/main" val="2411813581"/>
+      </p:ext>
+    </p:extLst>
+  </p:cSld>
+  <p:clrMapOvr>
+    <a:masterClrMapping/>
+  </p:clrMapOvr>
+</p:sld>
+</file>
+
+<file path=ppt/slides/slide33.xml><?xml version="1.0" encoding="utf-8"?>
+<p:sld xmlns:a="http://schemas.openxmlformats.org/drawingml/2006/main" xmlns:r="http://schemas.openxmlformats.org/officeDocument/2006/relationships" xmlns:p="http://schemas.openxmlformats.org/presentationml/2006/main">
+  <p:cSld>
+    <p:spTree>
+      <p:nvGrpSpPr>
+        <p:cNvPr id="1" name=""/>
+        <p:cNvGrpSpPr/>
+        <p:nvPr/>
+      </p:nvGrpSpPr>
+      <p:grpSpPr>
+        <a:xfrm>
+          <a:off x="0" y="0"/>
+          <a:ext cx="0" cy="0"/>
+          <a:chOff x="0" y="0"/>
+          <a:chExt cx="0" cy="0"/>
+        </a:xfrm>
+      </p:grpSpPr>
+      <p:sp>
+        <p:nvSpPr>
+          <p:cNvPr id="2" name="Заголовок 1">
+            <a:extLst>
+              <a:ext uri="{FF2B5EF4-FFF2-40B4-BE49-F238E27FC236}">
+                <a16:creationId xmlns:a16="http://schemas.microsoft.com/office/drawing/2014/main" id="{ACC4A95A-8C5E-429B-BF3A-A4A2F3B775E3}"/>
+              </a:ext>
+            </a:extLst>
+          </p:cNvPr>
+          <p:cNvSpPr>
+            <a:spLocks noGrp="1"/>
+          </p:cNvSpPr>
+          <p:nvPr>
+            <p:ph type="ctrTitle"/>
+          </p:nvPr>
+        </p:nvSpPr>
+        <p:spPr>
+          <a:xfrm>
+            <a:off x="344130" y="501285"/>
+            <a:ext cx="9999405" cy="570074"/>
+          </a:xfrm>
+        </p:spPr>
+        <p:txBody>
+          <a:bodyPr/>
+          <a:lstStyle/>
+          <a:p>
+            <a:r>
+              <a:rPr lang="ru-RU" sz="4200" dirty="0"/>
+              <a:t>Вывод</a:t>
+            </a:r>
+          </a:p>
+        </p:txBody>
+      </p:sp>
+      <p:sp>
+        <p:nvSpPr>
+          <p:cNvPr id="5" name="TextBox 4">
+            <a:extLst>
+              <a:ext uri="{FF2B5EF4-FFF2-40B4-BE49-F238E27FC236}">
+                <a16:creationId xmlns:a16="http://schemas.microsoft.com/office/drawing/2014/main" id="{DD999F98-8C21-4489-A6F2-776D92F1CB3E}"/>
+              </a:ext>
+            </a:extLst>
+          </p:cNvPr>
+          <p:cNvSpPr txBox="1"/>
+          <p:nvPr/>
+        </p:nvSpPr>
+        <p:spPr>
+          <a:xfrm>
+            <a:off x="457201" y="1071359"/>
+            <a:ext cx="9886334" cy="1323439"/>
+          </a:xfrm>
+          <a:prstGeom prst="rect">
+            <a:avLst/>
+          </a:prstGeom>
+          <a:noFill/>
+        </p:spPr>
+        <p:txBody>
+          <a:bodyPr wrap="square">
+            <a:spAutoFit/>
+          </a:bodyPr>
+          <a:lstStyle/>
+          <a:p>
+            <a:r>
+              <a:rPr lang="ru-RU" sz="2000" dirty="0">
+                <a:solidFill>
+                  <a:schemeClr val="accent3"/>
+                </a:solidFill>
+                <a:latin typeface="+mj-lt"/>
+              </a:rPr>
+              <a:t>Из текущих численных расчетов мы можем сделать вывод, что численная траектория вместе с аналитическим решением стремятся к нулю по обоим компонентам, с точки зрения физического смысла можно предположить, что там находится состояние равновесия данной системы.</a:t>
+            </a:r>
+          </a:p>
+        </p:txBody>
+      </p:sp>
+    </p:spTree>
+    <p:extLst>
+      <p:ext uri="{BB962C8B-B14F-4D97-AF65-F5344CB8AC3E}">
+        <p14:creationId xmlns:p14="http://schemas.microsoft.com/office/powerpoint/2010/main" val="3186387448"/>
+      </p:ext>
+    </p:extLst>
+  </p:cSld>
+  <p:clrMapOvr>
+    <a:masterClrMapping/>
+  </p:clrMapOvr>
+</p:sld>
+</file>
+
+<file path=ppt/slides/slide34.xml><?xml version="1.0" encoding="utf-8"?>
+<p:sld xmlns:a="http://schemas.openxmlformats.org/drawingml/2006/main" xmlns:r="http://schemas.openxmlformats.org/officeDocument/2006/relationships" xmlns:p="http://schemas.openxmlformats.org/presentationml/2006/main">
+  <p:cSld>
+    <p:spTree>
+      <p:nvGrpSpPr>
+        <p:cNvPr id="1" name=""/>
+        <p:cNvGrpSpPr/>
+        <p:nvPr/>
+      </p:nvGrpSpPr>
+      <p:grpSpPr>
+        <a:xfrm>
+          <a:off x="0" y="0"/>
+          <a:ext cx="0" cy="0"/>
+          <a:chOff x="0" y="0"/>
+          <a:chExt cx="0" cy="0"/>
+        </a:xfrm>
+      </p:grpSpPr>
+      <p:sp>
+        <p:nvSpPr>
+          <p:cNvPr id="2" name="Заголовок 1">
+            <a:extLst>
+              <a:ext uri="{FF2B5EF4-FFF2-40B4-BE49-F238E27FC236}">
+                <a16:creationId xmlns:a16="http://schemas.microsoft.com/office/drawing/2014/main" id="{ACC4A95A-8C5E-429B-BF3A-A4A2F3B775E3}"/>
+              </a:ext>
+            </a:extLst>
+          </p:cNvPr>
+          <p:cNvSpPr>
+            <a:spLocks noGrp="1"/>
+          </p:cNvSpPr>
+          <p:nvPr>
+            <p:ph type="ctrTitle"/>
+          </p:nvPr>
+        </p:nvSpPr>
+        <p:spPr>
+          <a:xfrm>
+            <a:off x="344130" y="501285"/>
+            <a:ext cx="9999405" cy="570074"/>
+          </a:xfrm>
+        </p:spPr>
+        <p:txBody>
+          <a:bodyPr/>
+          <a:lstStyle/>
+          <a:p>
+            <a:r>
+              <a:rPr lang="ru-RU" sz="4200" dirty="0"/>
+              <a:t>Дополнительное исследование №2</a:t>
+            </a:r>
+          </a:p>
+        </p:txBody>
+      </p:sp>
+      <p:sp>
+        <p:nvSpPr>
+          <p:cNvPr id="5" name="TextBox 4">
+            <a:extLst>
+              <a:ext uri="{FF2B5EF4-FFF2-40B4-BE49-F238E27FC236}">
+                <a16:creationId xmlns:a16="http://schemas.microsoft.com/office/drawing/2014/main" id="{DD999F98-8C21-4489-A6F2-776D92F1CB3E}"/>
+              </a:ext>
+            </a:extLst>
+          </p:cNvPr>
+          <p:cNvSpPr txBox="1"/>
+          <p:nvPr/>
+        </p:nvSpPr>
+        <p:spPr>
+          <a:xfrm>
+            <a:off x="7472515" y="1313718"/>
+            <a:ext cx="4591664" cy="2246769"/>
+          </a:xfrm>
+          <a:prstGeom prst="rect">
+            <a:avLst/>
+          </a:prstGeom>
+          <a:noFill/>
+        </p:spPr>
+        <p:txBody>
+          <a:bodyPr wrap="square">
+            <a:spAutoFit/>
+          </a:bodyPr>
+          <a:lstStyle/>
+          <a:p>
+            <a:r>
+              <a:rPr lang="ru-RU" sz="2000" dirty="0">
+                <a:solidFill>
+                  <a:schemeClr val="accent3"/>
+                </a:solidFill>
+                <a:latin typeface="+mj-lt"/>
+              </a:rPr>
+              <a:t>Если при запуске программы убрать контроль локальной погрешности, то мы получим грубые, но все же «такие» же графики, но вот интересным для нас является график глобальной погрешности</a:t>
+            </a:r>
+          </a:p>
+        </p:txBody>
+      </p:sp>
+      <p:pic>
+        <p:nvPicPr>
+          <p:cNvPr id="4" name="Рисунок 3">
+            <a:extLst>
+              <a:ext uri="{FF2B5EF4-FFF2-40B4-BE49-F238E27FC236}">
+                <a16:creationId xmlns:a16="http://schemas.microsoft.com/office/drawing/2014/main" id="{CA9576F8-79A2-4AAA-921D-3BE91F59176E}"/>
+              </a:ext>
+            </a:extLst>
+          </p:cNvPr>
+          <p:cNvPicPr>
+            <a:picLocks noChangeAspect="1"/>
+          </p:cNvPicPr>
+          <p:nvPr/>
+        </p:nvPicPr>
+        <p:blipFill>
+          <a:blip r:embed="rId2">
+            <a:extLst>
+              <a:ext uri="{28A0092B-C50C-407E-A947-70E740481C1C}">
+                <a14:useLocalDpi xmlns:a14="http://schemas.microsoft.com/office/drawing/2010/main" val="0"/>
+              </a:ext>
+            </a:extLst>
+          </a:blip>
+          <a:stretch>
+            <a:fillRect/>
+          </a:stretch>
+        </p:blipFill>
+        <p:spPr>
+          <a:xfrm>
+            <a:off x="255640" y="1071359"/>
+            <a:ext cx="6912076" cy="5166120"/>
+          </a:xfrm>
+          <a:prstGeom prst="rect">
+            <a:avLst/>
+          </a:prstGeom>
+        </p:spPr>
+      </p:pic>
+      <p:sp>
+        <p:nvSpPr>
+          <p:cNvPr id="6" name="TextBox 5">
+            <a:extLst>
+              <a:ext uri="{FF2B5EF4-FFF2-40B4-BE49-F238E27FC236}">
+                <a16:creationId xmlns:a16="http://schemas.microsoft.com/office/drawing/2014/main" id="{65846C58-6EF1-48C1-BF13-BE534DD08D7D}"/>
+              </a:ext>
+            </a:extLst>
+          </p:cNvPr>
+          <p:cNvSpPr txBox="1"/>
+          <p:nvPr/>
+        </p:nvSpPr>
+        <p:spPr>
+          <a:xfrm>
+            <a:off x="7344695" y="4528619"/>
+            <a:ext cx="4719483" cy="1323439"/>
+          </a:xfrm>
+          <a:prstGeom prst="rect">
+            <a:avLst/>
+          </a:prstGeom>
+          <a:noFill/>
+        </p:spPr>
+        <p:txBody>
+          <a:bodyPr wrap="square">
+            <a:spAutoFit/>
+          </a:bodyPr>
+          <a:lstStyle/>
+          <a:p>
+            <a:r>
+              <a:rPr lang="ru-RU" sz="2000" dirty="0">
+                <a:solidFill>
+                  <a:schemeClr val="accent3"/>
+                </a:solidFill>
+                <a:latin typeface="+mj-lt"/>
+              </a:rPr>
+              <a:t>Из этого следует еще один очевидный вывод</a:t>
+            </a:r>
+            <a:r>
+              <a:rPr lang="en-US" sz="2000" dirty="0">
+                <a:solidFill>
+                  <a:schemeClr val="accent3"/>
+                </a:solidFill>
+                <a:latin typeface="+mj-lt"/>
+              </a:rPr>
+              <a:t>:</a:t>
+            </a:r>
+            <a:r>
+              <a:rPr lang="ru-RU" sz="2000" dirty="0">
+                <a:solidFill>
+                  <a:schemeClr val="accent3"/>
+                </a:solidFill>
+                <a:latin typeface="+mj-lt"/>
+              </a:rPr>
+              <a:t> Численная траектория достаточно близка к аналитической с контролем ЛП</a:t>
+            </a:r>
+          </a:p>
+        </p:txBody>
+      </p:sp>
+    </p:spTree>
+    <p:extLst>
+      <p:ext uri="{BB962C8B-B14F-4D97-AF65-F5344CB8AC3E}">
+        <p14:creationId xmlns:p14="http://schemas.microsoft.com/office/powerpoint/2010/main" val="1281227024"/>
+      </p:ext>
+    </p:extLst>
+  </p:cSld>
+  <p:clrMapOvr>
+    <a:masterClrMapping/>
+  </p:clrMapOvr>
+</p:sld>
+</file>
+
+<file path=ppt/slides/slide35.xml><?xml version="1.0" encoding="utf-8"?>
+<p:sld xmlns:a="http://schemas.openxmlformats.org/drawingml/2006/main" xmlns:r="http://schemas.openxmlformats.org/officeDocument/2006/relationships" xmlns:p="http://schemas.openxmlformats.org/presentationml/2006/main" showMasterSp="0">
+  <p:cSld>
+    <p:bg>
+      <p:bgPr>
+        <a:gradFill>
+          <a:gsLst>
+            <a:gs pos="0">
+              <a:schemeClr val="accent1">
+                <a:lumMod val="5000"/>
+                <a:lumOff val="95000"/>
+              </a:schemeClr>
+            </a:gs>
+            <a:gs pos="76000">
+              <a:schemeClr val="accent1">
+                <a:lumMod val="45000"/>
+                <a:lumOff val="55000"/>
+              </a:schemeClr>
+            </a:gs>
+            <a:gs pos="83000">
+              <a:schemeClr val="accent1">
+                <a:lumMod val="45000"/>
+                <a:lumOff val="55000"/>
+              </a:schemeClr>
+            </a:gs>
+            <a:gs pos="100000">
+              <a:schemeClr val="accent1">
+                <a:lumMod val="30000"/>
+                <a:lumOff val="70000"/>
+              </a:schemeClr>
+            </a:gs>
+          </a:gsLst>
+          <a:lin ang="5400000" scaled="1"/>
+        </a:gradFill>
+        <a:effectLst/>
+      </p:bgPr>
+    </p:bg>
+    <p:spTree>
+      <p:nvGrpSpPr>
+        <p:cNvPr id="1" name=""/>
+        <p:cNvGrpSpPr/>
+        <p:nvPr/>
+      </p:nvGrpSpPr>
+      <p:grpSpPr>
+        <a:xfrm>
+          <a:off x="0" y="0"/>
+          <a:ext cx="0" cy="0"/>
+          <a:chOff x="0" y="0"/>
+          <a:chExt cx="0" cy="0"/>
+        </a:xfrm>
+      </p:grpSpPr>
+      <p:pic>
+        <p:nvPicPr>
+          <p:cNvPr id="5" name="Рисунок 4">
+            <a:extLst>
+              <a:ext uri="{FF2B5EF4-FFF2-40B4-BE49-F238E27FC236}">
+                <a16:creationId xmlns:a16="http://schemas.microsoft.com/office/drawing/2014/main" id="{CC0AC8EC-A0E9-46C7-89FC-8BCE54C09F61}"/>
+              </a:ext>
+            </a:extLst>
+          </p:cNvPr>
+          <p:cNvPicPr>
+            <a:picLocks noChangeAspect="1"/>
+          </p:cNvPicPr>
+          <p:nvPr/>
+        </p:nvPicPr>
+        <p:blipFill>
+          <a:blip r:embed="rId2">
+            <a:extLst>
+              <a:ext uri="{28A0092B-C50C-407E-A947-70E740481C1C}">
+                <a14:useLocalDpi xmlns:a14="http://schemas.microsoft.com/office/drawing/2010/main" val="0"/>
+              </a:ext>
+            </a:extLst>
+          </a:blip>
+          <a:stretch>
+            <a:fillRect/>
+          </a:stretch>
+        </p:blipFill>
+        <p:spPr>
+          <a:xfrm>
+            <a:off x="4517998" y="1850998"/>
+            <a:ext cx="3156003" cy="3156003"/>
+          </a:xfrm>
+          <a:prstGeom prst="rect">
+            <a:avLst/>
+          </a:prstGeom>
+        </p:spPr>
+      </p:pic>
+    </p:spTree>
+    <p:extLst>
+      <p:ext uri="{BB962C8B-B14F-4D97-AF65-F5344CB8AC3E}">
+        <p14:creationId xmlns:p14="http://schemas.microsoft.com/office/powerpoint/2010/main" val="3014159920"/>
+      </p:ext>
+    </p:extLst>
+  </p:cSld>
+  <p:clrMapOvr>
+    <a:masterClrMapping/>
+  </p:clrMapOvr>
+</p:sld>
+</file>
+
 <file path=ppt/slides/slide4.xml><?xml version="1.0" encoding="utf-8"?>
 <p:sld xmlns:a="http://schemas.openxmlformats.org/drawingml/2006/main" xmlns:r="http://schemas.openxmlformats.org/officeDocument/2006/relationships" xmlns:p="http://schemas.openxmlformats.org/presentationml/2006/main">
   <p:cSld>
@@ -9884,8 +10684,8 @@
           </a:p>
         </p:txBody>
       </p:sp>
-      <mc:AlternateContent xmlns:mc="http://schemas.openxmlformats.org/markup-compatibility/2006">
-        <mc:Choice xmlns:a14="http://schemas.microsoft.com/office/drawing/2010/main" Requires="a14">
+      <mc:AlternateContent xmlns:mc="http://schemas.openxmlformats.org/markup-compatibility/2006" xmlns:a14="http://schemas.microsoft.com/office/drawing/2010/main">
+        <mc:Choice Requires="a14">
           <p:sp>
             <p:nvSpPr>
               <p:cNvPr id="7" name="TextBox 6">
@@ -9977,7 +10777,7 @@
             </p:txBody>
           </p:sp>
         </mc:Choice>
-        <mc:Fallback>
+        <mc:Fallback xmlns="">
           <p:sp>
             <p:nvSpPr>
               <p:cNvPr id="7" name="TextBox 6">
@@ -10076,8 +10876,8 @@
           </a:p>
         </p:txBody>
       </p:sp>
-      <mc:AlternateContent xmlns:mc="http://schemas.openxmlformats.org/markup-compatibility/2006">
-        <mc:Choice xmlns:a14="http://schemas.microsoft.com/office/drawing/2010/main" Requires="a14">
+      <mc:AlternateContent xmlns:mc="http://schemas.openxmlformats.org/markup-compatibility/2006" xmlns:a14="http://schemas.microsoft.com/office/drawing/2010/main">
+        <mc:Choice Requires="a14">
           <p:sp>
             <p:nvSpPr>
               <p:cNvPr id="8" name="TextBox 7">
@@ -10257,7 +11057,7 @@
             </p:txBody>
           </p:sp>
         </mc:Choice>
-        <mc:Fallback>
+        <mc:Fallback xmlns="">
           <p:sp>
             <p:nvSpPr>
               <p:cNvPr id="8" name="TextBox 7">
@@ -10302,8 +11102,8 @@
           </p:sp>
         </mc:Fallback>
       </mc:AlternateContent>
-      <mc:AlternateContent xmlns:mc="http://schemas.openxmlformats.org/markup-compatibility/2006">
-        <mc:Choice xmlns:a14="http://schemas.microsoft.com/office/drawing/2010/main" Requires="a14">
+      <mc:AlternateContent xmlns:mc="http://schemas.openxmlformats.org/markup-compatibility/2006" xmlns:a14="http://schemas.microsoft.com/office/drawing/2010/main">
+        <mc:Choice Requires="a14">
           <p:sp>
             <p:nvSpPr>
               <p:cNvPr id="10" name="TextBox 9">
@@ -10404,7 +11204,7 @@
             </p:txBody>
           </p:sp>
         </mc:Choice>
-        <mc:Fallback>
+        <mc:Fallback xmlns="">
           <p:sp>
             <p:nvSpPr>
               <p:cNvPr id="10" name="TextBox 9">
@@ -10449,8 +11249,8 @@
           </p:sp>
         </mc:Fallback>
       </mc:AlternateContent>
-      <mc:AlternateContent xmlns:mc="http://schemas.openxmlformats.org/markup-compatibility/2006">
-        <mc:Choice xmlns:a14="http://schemas.microsoft.com/office/drawing/2010/main" Requires="a14">
+      <mc:AlternateContent xmlns:mc="http://schemas.openxmlformats.org/markup-compatibility/2006" xmlns:a14="http://schemas.microsoft.com/office/drawing/2010/main">
+        <mc:Choice Requires="a14">
           <p:sp>
             <p:nvSpPr>
               <p:cNvPr id="12" name="TextBox 11">
@@ -10623,7 +11423,7 @@
             </p:txBody>
           </p:sp>
         </mc:Choice>
-        <mc:Fallback>
+        <mc:Fallback xmlns="">
           <p:sp>
             <p:nvSpPr>
               <p:cNvPr id="12" name="TextBox 11">
@@ -10668,8 +11468,8 @@
           </p:sp>
         </mc:Fallback>
       </mc:AlternateContent>
-      <mc:AlternateContent xmlns:mc="http://schemas.openxmlformats.org/markup-compatibility/2006">
-        <mc:Choice xmlns:a14="http://schemas.microsoft.com/office/drawing/2010/main" Requires="a14">
+      <mc:AlternateContent xmlns:mc="http://schemas.openxmlformats.org/markup-compatibility/2006" xmlns:a14="http://schemas.microsoft.com/office/drawing/2010/main">
+        <mc:Choice Requires="a14">
           <p:sp>
             <p:nvSpPr>
               <p:cNvPr id="13" name="TextBox 12">
@@ -10767,13 +11567,7 @@
                             <a:rPr lang="en-US" sz="2800" i="1">
                               <a:latin typeface="Cambria Math" panose="02040503050406030204" pitchFamily="18" charset="0"/>
                             </a:rPr>
-                            <m:t> </m:t>
-                          </m:r>
-                          <m:r>
-                            <a:rPr lang="ru-RU" sz="2800" i="1">
-                              <a:latin typeface="Cambria Math" panose="02040503050406030204" pitchFamily="18" charset="0"/>
-                            </a:rPr>
-                            <m:t>−</m:t>
+                            <m:t> −</m:t>
                           </m:r>
                           <m:sSub>
                             <m:sSubPr>
@@ -10861,7 +11655,7 @@
             </p:txBody>
           </p:sp>
         </mc:Choice>
-        <mc:Fallback>
+        <mc:Fallback xmlns="">
           <p:sp>
             <p:nvSpPr>
               <p:cNvPr id="13" name="TextBox 12">
@@ -10906,8 +11700,8 @@
           </p:sp>
         </mc:Fallback>
       </mc:AlternateContent>
-      <mc:AlternateContent xmlns:mc="http://schemas.openxmlformats.org/markup-compatibility/2006">
-        <mc:Choice xmlns:a14="http://schemas.microsoft.com/office/drawing/2010/main" Requires="a14">
+      <mc:AlternateContent xmlns:mc="http://schemas.openxmlformats.org/markup-compatibility/2006" xmlns:a14="http://schemas.microsoft.com/office/drawing/2010/main">
+        <mc:Choice Requires="a14">
           <p:sp>
             <p:nvSpPr>
               <p:cNvPr id="14" name="TextBox 13">
@@ -11000,7 +11794,7 @@
             </p:txBody>
           </p:sp>
         </mc:Choice>
-        <mc:Fallback>
+        <mc:Fallback xmlns="">
           <p:sp>
             <p:nvSpPr>
               <p:cNvPr id="14" name="TextBox 13">
@@ -11163,8 +11957,8 @@
           </a:p>
         </p:txBody>
       </p:sp>
-      <mc:AlternateContent xmlns:mc="http://schemas.openxmlformats.org/markup-compatibility/2006">
-        <mc:Choice xmlns:a14="http://schemas.microsoft.com/office/drawing/2010/main" Requires="a14">
+      <mc:AlternateContent xmlns:mc="http://schemas.openxmlformats.org/markup-compatibility/2006" xmlns:a14="http://schemas.microsoft.com/office/drawing/2010/main">
+        <mc:Choice Requires="a14">
           <p:sp>
             <p:nvSpPr>
               <p:cNvPr id="11" name="TextBox 10">
@@ -11558,7 +12352,7 @@
             </p:txBody>
           </p:sp>
         </mc:Choice>
-        <mc:Fallback>
+        <mc:Fallback xmlns="">
           <p:sp>
             <p:nvSpPr>
               <p:cNvPr id="11" name="TextBox 10">
@@ -11703,8 +12497,8 @@
           </a:p>
         </p:txBody>
       </p:sp>
-      <mc:AlternateContent xmlns:mc="http://schemas.openxmlformats.org/markup-compatibility/2006">
-        <mc:Choice xmlns:a14="http://schemas.microsoft.com/office/drawing/2010/main" Requires="a14">
+      <mc:AlternateContent xmlns:mc="http://schemas.openxmlformats.org/markup-compatibility/2006" xmlns:a14="http://schemas.microsoft.com/office/drawing/2010/main">
+        <mc:Choice Requires="a14">
           <p:sp>
             <p:nvSpPr>
               <p:cNvPr id="16" name="TextBox 15">
@@ -11733,7 +12527,6 @@
               </a:bodyPr>
               <a:lstStyle/>
               <a:p>
-                <a:pPr/>
                 <a14:m>
                   <m:oMath xmlns:m="http://schemas.openxmlformats.org/officeDocument/2006/math">
                     <m:r>
@@ -11872,7 +12665,13 @@
                                 <a:rPr lang="en-US" sz="2600" b="0" i="1" smtClean="0">
                                   <a:latin typeface="Cambria Math" panose="02040503050406030204" pitchFamily="18" charset="0"/>
                                 </a:rPr>
-                                <m:t>−500.005</m:t>
+                                <m:t>−</m:t>
+                              </m:r>
+                              <m:r>
+                                <a:rPr lang="en-US" sz="2600" b="0" i="1" smtClean="0">
+                                  <a:latin typeface="Cambria Math" panose="02040503050406030204" pitchFamily="18" charset="0"/>
+                                </a:rPr>
+                                <m:t>500.005</m:t>
                               </m:r>
                             </m:e>
                             <m:e>
@@ -11912,7 +12711,7 @@
             </p:txBody>
           </p:sp>
         </mc:Choice>
-        <mc:Fallback>
+        <mc:Fallback xmlns="">
           <p:sp>
             <p:nvSpPr>
               <p:cNvPr id="16" name="TextBox 15">
@@ -12205,8 +13004,8 @@
           </a:prstGeom>
         </p:spPr>
       </p:pic>
-      <mc:AlternateContent xmlns:mc="http://schemas.openxmlformats.org/markup-compatibility/2006">
-        <mc:Choice xmlns:a14="http://schemas.microsoft.com/office/drawing/2010/main" Requires="a14">
+      <mc:AlternateContent xmlns:mc="http://schemas.openxmlformats.org/markup-compatibility/2006" xmlns:a14="http://schemas.microsoft.com/office/drawing/2010/main">
+        <mc:Choice Requires="a14">
           <p:sp>
             <p:nvSpPr>
               <p:cNvPr id="8" name="TextBox 7">
@@ -12378,7 +13177,7 @@
             </p:txBody>
           </p:sp>
         </mc:Choice>
-        <mc:Fallback>
+        <mc:Fallback xmlns="">
           <p:sp>
             <p:nvSpPr>
               <p:cNvPr id="8" name="TextBox 7">
